--- a/presentation_parc_2021/presentation_spe_nsi.pptx
+++ b/presentation_parc_2021/presentation_spe_nsi.pptx
@@ -4368,7 +4368,7 @@
       </p:sp>
       <p:pic>
         <p:nvPicPr>
-          <p:cNvPr descr="images/7themes.png" id="0" name="Picture 1"/>
+          <p:cNvPr descr="images/7themes2.png" id="0" name="Picture 1"/>
           <p:cNvPicPr>
             <a:picLocks noGrp="1" noChangeAspect="1"/>
           </p:cNvPicPr>
@@ -4433,7 +4433,63 @@
             </a:r>
             <a:r>
               <a:rPr/>
-              <a:t>themes</a:t>
+              <a:t>thèmes,</a:t>
+            </a:r>
+            <a:r>
+              <a:rPr/>
+              <a:t> </a:t>
+            </a:r>
+            <a:r>
+              <a:rPr/>
+              <a:t>source</a:t>
+            </a:r>
+            <a:r>
+              <a:rPr/>
+              <a:t> </a:t>
+            </a:r>
+            <a:r>
+              <a:rPr/>
+              <a:t>:</a:t>
+            </a:r>
+            <a:r>
+              <a:rPr/>
+              <a:t> </a:t>
+            </a:r>
+            <a:r>
+              <a:rPr/>
+              <a:t>Lycée</a:t>
+            </a:r>
+            <a:r>
+              <a:rPr/>
+              <a:t> </a:t>
+            </a:r>
+            <a:r>
+              <a:rPr/>
+              <a:t>Laennec</a:t>
+            </a:r>
+            <a:r>
+              <a:rPr/>
+              <a:t> </a:t>
+            </a:r>
+            <a:r>
+              <a:rPr/>
+              <a:t>-</a:t>
+            </a:r>
+            <a:r>
+              <a:rPr/>
+              <a:t> </a:t>
+            </a:r>
+            <a:r>
+              <a:rPr/>
+              <a:t>Pont</a:t>
+            </a:r>
+            <a:r>
+              <a:rPr/>
+              <a:t> </a:t>
+            </a:r>
+            <a:r>
+              <a:rPr/>
+              <a:t>L’Abbé</a:t>
             </a:r>
             <a:r>
               <a:rPr/>
@@ -4797,7 +4853,47 @@
             </a:r>
             <a:r>
               <a:rPr/>
-              <a:t>débouchés</a:t>
+              <a:t>débouchés,</a:t>
+            </a:r>
+            <a:r>
+              <a:rPr/>
+              <a:t> </a:t>
+            </a:r>
+            <a:r>
+              <a:rPr/>
+              <a:t>source</a:t>
+            </a:r>
+            <a:r>
+              <a:rPr/>
+              <a:t> </a:t>
+            </a:r>
+            <a:r>
+              <a:rPr/>
+              <a:t>:</a:t>
+            </a:r>
+            <a:r>
+              <a:rPr/>
+              <a:t> </a:t>
+            </a:r>
+            <a:r>
+              <a:rPr/>
+              <a:t>Lycée</a:t>
+            </a:r>
+            <a:r>
+              <a:rPr/>
+              <a:t> </a:t>
+            </a:r>
+            <a:r>
+              <a:rPr/>
+              <a:t>Berthelot</a:t>
+            </a:r>
+            <a:r>
+              <a:rPr/>
+              <a:t> </a:t>
+            </a:r>
+            <a:r>
+              <a:rPr/>
+              <a:t>Toulouse</a:t>
             </a:r>
             <a:r>
               <a:rPr/>

--- a/presentation_parc_2021/presentation_spe_nsi.pptx
+++ b/presentation_parc_2021/presentation_spe_nsi.pptx
@@ -3215,26 +3215,6 @@
             </a:pPr>
             <a:br/>
             <a:br/>
-            <a:r>
-              <a:rPr/>
-              <a:t>Lycée</a:t>
-            </a:r>
-            <a:r>
-              <a:rPr/>
-              <a:t> </a:t>
-            </a:r>
-            <a:r>
-              <a:rPr/>
-              <a:t>du</a:t>
-            </a:r>
-            <a:r>
-              <a:rPr/>
-              <a:t> </a:t>
-            </a:r>
-            <a:r>
-              <a:rPr/>
-              <a:t>Parc</a:t>
-            </a:r>
           </a:p>
         </p:txBody>
       </p:sp>

--- a/presentation_parc_2021/presentation_spe_nsi.pptx
+++ b/presentation_parc_2021/presentation_spe_nsi.pptx
@@ -4101,6 +4101,19 @@
                 <a:hlinkClick r:id="rId3"/>
               </a:rPr>
               <a:t>https://parc-nsi.github.io/premiere-nsi/</a:t>
+            </a:r>
+          </a:p>
+          <a:p>
+            <a:pPr lvl="1"/>
+            <a:r>
+              <a:rPr/>
+              <a:t>Code source de ce document : </a:t>
+            </a:r>
+            <a:r>
+              <a:rPr>
+                <a:hlinkClick r:id="rId4"/>
+              </a:rPr>
+              <a:t>https://github.com/parc-nsi/premiere-nsi/tree/master/presentation_parc_2021</a:t>
             </a:r>
           </a:p>
         </p:txBody>
